--- a/Lectures/0002.FE.vs.BE.pptx
+++ b/Lectures/0002.FE.vs.BE.pptx
@@ -6,7 +6,7 @@
     <p:sldMasterId id="2147483732" r:id="rId2"/>
   </p:sldMasterIdLst>
   <p:notesMasterIdLst>
-    <p:notesMasterId r:id="rId25"/>
+    <p:notesMasterId r:id="rId26"/>
   </p:notesMasterIdLst>
   <p:sldIdLst>
     <p:sldId id="256" r:id="rId3"/>
@@ -30,7 +30,8 @@
     <p:sldId id="797" r:id="rId21"/>
     <p:sldId id="803" r:id="rId22"/>
     <p:sldId id="804" r:id="rId23"/>
-    <p:sldId id="783" r:id="rId24"/>
+    <p:sldId id="806" r:id="rId24"/>
+    <p:sldId id="783" r:id="rId25"/>
   </p:sldIdLst>
   <p:sldSz cx="9906000" cy="6858000" type="A4"/>
   <p:notesSz cx="7010400" cy="9296400"/>
@@ -4080,6 +4081,251 @@
     <p:extLst>
       <p:ext uri="{BB962C8B-B14F-4D97-AF65-F5344CB8AC3E}">
         <p14:creationId xmlns:p14="http://schemas.microsoft.com/office/powerpoint/2010/main" val="1188946907"/>
+      </p:ext>
+    </p:extLst>
+  </p:cSld>
+  <p:clrMapOvr>
+    <a:masterClrMapping/>
+  </p:clrMapOvr>
+</p:notes>
+</file>
+
+<file path=ppt/notesSlides/notesSlide22.xml><?xml version="1.0" encoding="utf-8"?>
+<p:notes xmlns:a="http://schemas.openxmlformats.org/drawingml/2006/main" xmlns:r="http://schemas.openxmlformats.org/officeDocument/2006/relationships" xmlns:p="http://schemas.openxmlformats.org/presentationml/2006/main">
+  <p:cSld>
+    <p:spTree>
+      <p:nvGrpSpPr>
+        <p:cNvPr id="1" name=""/>
+        <p:cNvGrpSpPr/>
+        <p:nvPr/>
+      </p:nvGrpSpPr>
+      <p:grpSpPr>
+        <a:xfrm>
+          <a:off x="0" y="0"/>
+          <a:ext cx="0" cy="0"/>
+          <a:chOff x="0" y="0"/>
+          <a:chExt cx="0" cy="0"/>
+        </a:xfrm>
+      </p:grpSpPr>
+      <p:sp>
+        <p:nvSpPr>
+          <p:cNvPr id="10242" name="Slide Image Placeholder 1"/>
+          <p:cNvSpPr>
+            <a:spLocks noGrp="1" noRot="1" noChangeAspect="1" noTextEdit="1"/>
+          </p:cNvSpPr>
+          <p:nvPr>
+            <p:ph type="sldImg"/>
+          </p:nvPr>
+        </p:nvSpPr>
+        <p:spPr>
+          <a:xfrm>
+            <a:off x="987425" y="696913"/>
+            <a:ext cx="5035550" cy="3486150"/>
+          </a:xfrm>
+          <a:ln/>
+        </p:spPr>
+      </p:sp>
+      <p:sp>
+        <p:nvSpPr>
+          <p:cNvPr id="10243" name="Notes Placeholder 2"/>
+          <p:cNvSpPr>
+            <a:spLocks noGrp="1"/>
+          </p:cNvSpPr>
+          <p:nvPr>
+            <p:ph type="body" idx="1"/>
+          </p:nvPr>
+        </p:nvSpPr>
+        <p:spPr>
+          <a:noFill/>
+          <a:ln/>
+          <a:extLst>
+            <a:ext uri="{909E8E84-426E-40DD-AFC4-6F175D3DCCD1}">
+              <a14:hiddenFill xmlns:a14="http://schemas.microsoft.com/office/drawing/2010/main">
+                <a:solidFill>
+                  <a:srgbClr val="FFFFFF"/>
+                </a:solidFill>
+              </a14:hiddenFill>
+            </a:ext>
+            <a:ext uri="{91240B29-F687-4F45-9708-019B960494DF}">
+              <a14:hiddenLine xmlns:a14="http://schemas.microsoft.com/office/drawing/2010/main" w="9525">
+                <a:solidFill>
+                  <a:srgbClr val="000000"/>
+                </a:solidFill>
+                <a:miter lim="800000"/>
+                <a:headEnd/>
+                <a:tailEnd/>
+              </a14:hiddenLine>
+            </a:ext>
+          </a:extLst>
+        </p:spPr>
+        <p:txBody>
+          <a:bodyPr/>
+          <a:lstStyle/>
+          <a:p>
+            <a:endParaRPr lang="en-US" altLang="ko-KR"/>
+          </a:p>
+        </p:txBody>
+      </p:sp>
+      <p:sp>
+        <p:nvSpPr>
+          <p:cNvPr id="10244" name="Slide Number Placeholder 3"/>
+          <p:cNvSpPr>
+            <a:spLocks noGrp="1"/>
+          </p:cNvSpPr>
+          <p:nvPr>
+            <p:ph type="sldNum" sz="quarter" idx="5"/>
+          </p:nvPr>
+        </p:nvSpPr>
+        <p:spPr>
+          <a:noFill/>
+          <a:ln/>
+          <a:extLst>
+            <a:ext uri="{909E8E84-426E-40DD-AFC4-6F175D3DCCD1}">
+              <a14:hiddenFill xmlns:a14="http://schemas.microsoft.com/office/drawing/2010/main">
+                <a:solidFill>
+                  <a:srgbClr val="FFFFFF"/>
+                </a:solidFill>
+              </a14:hiddenFill>
+            </a:ext>
+            <a:ext uri="{91240B29-F687-4F45-9708-019B960494DF}">
+              <a14:hiddenLine xmlns:a14="http://schemas.microsoft.com/office/drawing/2010/main" w="9525">
+                <a:solidFill>
+                  <a:srgbClr val="000000"/>
+                </a:solidFill>
+                <a:miter lim="800000"/>
+                <a:headEnd/>
+                <a:tailEnd/>
+              </a14:hiddenLine>
+            </a:ext>
+          </a:extLst>
+        </p:spPr>
+        <p:txBody>
+          <a:bodyPr/>
+          <a:lstStyle>
+            <a:lvl1pPr defTabSz="931863">
+              <a:defRPr>
+                <a:solidFill>
+                  <a:schemeClr val="tx1"/>
+                </a:solidFill>
+                <a:latin typeface="Arial" panose="020B0604020202020204" pitchFamily="34" charset="0"/>
+                <a:ea typeface="굴림" panose="020B0600000101010101" pitchFamily="50" charset="-127"/>
+              </a:defRPr>
+            </a:lvl1pPr>
+            <a:lvl2pPr marL="742950" indent="-285750" defTabSz="931863">
+              <a:defRPr>
+                <a:solidFill>
+                  <a:schemeClr val="tx1"/>
+                </a:solidFill>
+                <a:latin typeface="Arial" panose="020B0604020202020204" pitchFamily="34" charset="0"/>
+                <a:ea typeface="굴림" panose="020B0600000101010101" pitchFamily="50" charset="-127"/>
+              </a:defRPr>
+            </a:lvl2pPr>
+            <a:lvl3pPr marL="1143000" indent="-228600" defTabSz="931863">
+              <a:defRPr>
+                <a:solidFill>
+                  <a:schemeClr val="tx1"/>
+                </a:solidFill>
+                <a:latin typeface="Arial" panose="020B0604020202020204" pitchFamily="34" charset="0"/>
+                <a:ea typeface="굴림" panose="020B0600000101010101" pitchFamily="50" charset="-127"/>
+              </a:defRPr>
+            </a:lvl3pPr>
+            <a:lvl4pPr marL="1600200" indent="-228600" defTabSz="931863">
+              <a:defRPr>
+                <a:solidFill>
+                  <a:schemeClr val="tx1"/>
+                </a:solidFill>
+                <a:latin typeface="Arial" panose="020B0604020202020204" pitchFamily="34" charset="0"/>
+                <a:ea typeface="굴림" panose="020B0600000101010101" pitchFamily="50" charset="-127"/>
+              </a:defRPr>
+            </a:lvl4pPr>
+            <a:lvl5pPr marL="2057400" indent="-228600" defTabSz="931863">
+              <a:defRPr>
+                <a:solidFill>
+                  <a:schemeClr val="tx1"/>
+                </a:solidFill>
+                <a:latin typeface="Arial" panose="020B0604020202020204" pitchFamily="34" charset="0"/>
+                <a:ea typeface="굴림" panose="020B0600000101010101" pitchFamily="50" charset="-127"/>
+              </a:defRPr>
+            </a:lvl5pPr>
+            <a:lvl6pPr marL="2514600" indent="-228600" defTabSz="931863" eaLnBrk="0" fontAlgn="base" hangingPunct="0">
+              <a:spcBef>
+                <a:spcPct val="0"/>
+              </a:spcBef>
+              <a:spcAft>
+                <a:spcPct val="0"/>
+              </a:spcAft>
+              <a:defRPr>
+                <a:solidFill>
+                  <a:schemeClr val="tx1"/>
+                </a:solidFill>
+                <a:latin typeface="Arial" panose="020B0604020202020204" pitchFamily="34" charset="0"/>
+                <a:ea typeface="굴림" panose="020B0600000101010101" pitchFamily="50" charset="-127"/>
+              </a:defRPr>
+            </a:lvl6pPr>
+            <a:lvl7pPr marL="2971800" indent="-228600" defTabSz="931863" eaLnBrk="0" fontAlgn="base" hangingPunct="0">
+              <a:spcBef>
+                <a:spcPct val="0"/>
+              </a:spcBef>
+              <a:spcAft>
+                <a:spcPct val="0"/>
+              </a:spcAft>
+              <a:defRPr>
+                <a:solidFill>
+                  <a:schemeClr val="tx1"/>
+                </a:solidFill>
+                <a:latin typeface="Arial" panose="020B0604020202020204" pitchFamily="34" charset="0"/>
+                <a:ea typeface="굴림" panose="020B0600000101010101" pitchFamily="50" charset="-127"/>
+              </a:defRPr>
+            </a:lvl7pPr>
+            <a:lvl8pPr marL="3429000" indent="-228600" defTabSz="931863" eaLnBrk="0" fontAlgn="base" hangingPunct="0">
+              <a:spcBef>
+                <a:spcPct val="0"/>
+              </a:spcBef>
+              <a:spcAft>
+                <a:spcPct val="0"/>
+              </a:spcAft>
+              <a:defRPr>
+                <a:solidFill>
+                  <a:schemeClr val="tx1"/>
+                </a:solidFill>
+                <a:latin typeface="Arial" panose="020B0604020202020204" pitchFamily="34" charset="0"/>
+                <a:ea typeface="굴림" panose="020B0600000101010101" pitchFamily="50" charset="-127"/>
+              </a:defRPr>
+            </a:lvl8pPr>
+            <a:lvl9pPr marL="3886200" indent="-228600" defTabSz="931863" eaLnBrk="0" fontAlgn="base" hangingPunct="0">
+              <a:spcBef>
+                <a:spcPct val="0"/>
+              </a:spcBef>
+              <a:spcAft>
+                <a:spcPct val="0"/>
+              </a:spcAft>
+              <a:defRPr>
+                <a:solidFill>
+                  <a:schemeClr val="tx1"/>
+                </a:solidFill>
+                <a:latin typeface="Arial" panose="020B0604020202020204" pitchFamily="34" charset="0"/>
+                <a:ea typeface="굴림" panose="020B0600000101010101" pitchFamily="50" charset="-127"/>
+              </a:defRPr>
+            </a:lvl9pPr>
+          </a:lstStyle>
+          <a:p>
+            <a:fld id="{6E6D5ACB-6B7C-4B01-A98E-A18A1B4461DD}" type="slidenum">
+              <a:rPr lang="en-US" altLang="ko-KR" smtClean="0">
+                <a:latin typeface="굴림" panose="020B0600000101010101" pitchFamily="50" charset="-127"/>
+              </a:rPr>
+              <a:pPr/>
+              <a:t>21</a:t>
+            </a:fld>
+            <a:endParaRPr lang="en-US" altLang="ko-KR">
+              <a:latin typeface="굴림" panose="020B0600000101010101" pitchFamily="50" charset="-127"/>
+            </a:endParaRPr>
+          </a:p>
+        </p:txBody>
+      </p:sp>
+    </p:spTree>
+    <p:extLst>
+      <p:ext uri="{BB962C8B-B14F-4D97-AF65-F5344CB8AC3E}">
+        <p14:creationId xmlns:p14="http://schemas.microsoft.com/office/powerpoint/2010/main" val="672280777"/>
       </p:ext>
     </p:extLst>
   </p:cSld>
@@ -22374,6 +22620,312 @@
 </file>
 
 <file path=ppt/slides/slide22.xml><?xml version="1.0" encoding="utf-8"?>
+<p:sld xmlns:a="http://schemas.openxmlformats.org/drawingml/2006/main" xmlns:r="http://schemas.openxmlformats.org/officeDocument/2006/relationships" xmlns:p="http://schemas.openxmlformats.org/presentationml/2006/main">
+  <p:cSld>
+    <p:spTree>
+      <p:nvGrpSpPr>
+        <p:cNvPr id="1" name=""/>
+        <p:cNvGrpSpPr/>
+        <p:nvPr/>
+      </p:nvGrpSpPr>
+      <p:grpSpPr>
+        <a:xfrm>
+          <a:off x="0" y="0"/>
+          <a:ext cx="0" cy="0"/>
+          <a:chOff x="0" y="0"/>
+          <a:chExt cx="0" cy="0"/>
+        </a:xfrm>
+      </p:grpSpPr>
+      <p:sp>
+        <p:nvSpPr>
+          <p:cNvPr id="9218" name="Title 1"/>
+          <p:cNvSpPr>
+            <a:spLocks noGrp="1"/>
+          </p:cNvSpPr>
+          <p:nvPr>
+            <p:ph type="title"/>
+          </p:nvPr>
+        </p:nvSpPr>
+        <p:spPr>
+          <a:xfrm>
+            <a:off x="507459" y="381000"/>
+            <a:ext cx="8891081" cy="639762"/>
+          </a:xfrm>
+        </p:spPr>
+        <p:txBody>
+          <a:bodyPr/>
+          <a:lstStyle/>
+          <a:p>
+            <a:r>
+              <a:rPr lang="en-US" altLang="ko-KR" dirty="0"/>
+              <a:t>Framework</a:t>
+            </a:r>
+          </a:p>
+        </p:txBody>
+      </p:sp>
+      <p:sp>
+        <p:nvSpPr>
+          <p:cNvPr id="9219" name="Slide Number Placeholder 6"/>
+          <p:cNvSpPr>
+            <a:spLocks noGrp="1"/>
+          </p:cNvSpPr>
+          <p:nvPr>
+            <p:ph type="sldNum" sz="quarter" idx="11"/>
+          </p:nvPr>
+        </p:nvSpPr>
+        <p:spPr>
+          <a:noFill/>
+          <a:ln/>
+          <a:extLst>
+            <a:ext uri="{909E8E84-426E-40DD-AFC4-6F175D3DCCD1}">
+              <a14:hiddenFill xmlns:a14="http://schemas.microsoft.com/office/drawing/2010/main">
+                <a:solidFill>
+                  <a:srgbClr val="FFFFFF"/>
+                </a:solidFill>
+              </a14:hiddenFill>
+            </a:ext>
+            <a:ext uri="{91240B29-F687-4F45-9708-019B960494DF}">
+              <a14:hiddenLine xmlns:a14="http://schemas.microsoft.com/office/drawing/2010/main" w="9525">
+                <a:solidFill>
+                  <a:srgbClr val="000000"/>
+                </a:solidFill>
+                <a:miter lim="800000"/>
+                <a:headEnd/>
+                <a:tailEnd/>
+              </a14:hiddenLine>
+            </a:ext>
+          </a:extLst>
+        </p:spPr>
+        <p:txBody>
+          <a:bodyPr/>
+          <a:lstStyle>
+            <a:lvl1pPr latinLnBrk="1">
+              <a:spcBef>
+                <a:spcPct val="20000"/>
+              </a:spcBef>
+              <a:buChar char="•"/>
+              <a:defRPr kumimoji="1" sz="2800">
+                <a:solidFill>
+                  <a:schemeClr val="tx1"/>
+                </a:solidFill>
+                <a:latin typeface="Calibri" panose="020F0502020204030204" pitchFamily="34" charset="0"/>
+                <a:ea typeface="굴림" panose="020B0600000101010101" pitchFamily="50" charset="-127"/>
+              </a:defRPr>
+            </a:lvl1pPr>
+            <a:lvl2pPr marL="742950" indent="-285750" latinLnBrk="1">
+              <a:spcBef>
+                <a:spcPct val="20000"/>
+              </a:spcBef>
+              <a:buChar char="–"/>
+              <a:defRPr kumimoji="1" sz="2400">
+                <a:solidFill>
+                  <a:schemeClr val="tx1"/>
+                </a:solidFill>
+                <a:latin typeface="Calibri" panose="020F0502020204030204" pitchFamily="34" charset="0"/>
+                <a:ea typeface="굴림" panose="020B0600000101010101" pitchFamily="50" charset="-127"/>
+              </a:defRPr>
+            </a:lvl2pPr>
+            <a:lvl3pPr marL="1143000" indent="-228600" latinLnBrk="1">
+              <a:spcBef>
+                <a:spcPct val="20000"/>
+              </a:spcBef>
+              <a:buChar char="•"/>
+              <a:defRPr kumimoji="1" sz="2000">
+                <a:solidFill>
+                  <a:schemeClr val="tx1"/>
+                </a:solidFill>
+                <a:latin typeface="Calibri" panose="020F0502020204030204" pitchFamily="34" charset="0"/>
+                <a:ea typeface="굴림" panose="020B0600000101010101" pitchFamily="50" charset="-127"/>
+              </a:defRPr>
+            </a:lvl3pPr>
+            <a:lvl4pPr marL="1600200" indent="-228600" latinLnBrk="1">
+              <a:spcBef>
+                <a:spcPct val="20000"/>
+              </a:spcBef>
+              <a:buChar char="–"/>
+              <a:defRPr kumimoji="1">
+                <a:solidFill>
+                  <a:schemeClr val="tx1"/>
+                </a:solidFill>
+                <a:latin typeface="Calibri" panose="020F0502020204030204" pitchFamily="34" charset="0"/>
+                <a:ea typeface="굴림" panose="020B0600000101010101" pitchFamily="50" charset="-127"/>
+              </a:defRPr>
+            </a:lvl4pPr>
+            <a:lvl5pPr marL="2057400" indent="-228600" latinLnBrk="1">
+              <a:spcBef>
+                <a:spcPct val="20000"/>
+              </a:spcBef>
+              <a:buChar char="»"/>
+              <a:defRPr kumimoji="1" sz="1600">
+                <a:solidFill>
+                  <a:schemeClr val="tx1"/>
+                </a:solidFill>
+                <a:latin typeface="Calibri" panose="020F0502020204030204" pitchFamily="34" charset="0"/>
+                <a:ea typeface="굴림" panose="020B0600000101010101" pitchFamily="50" charset="-127"/>
+              </a:defRPr>
+            </a:lvl5pPr>
+            <a:lvl6pPr marL="2514600" indent="-228600" eaLnBrk="0" fontAlgn="base" latinLnBrk="1" hangingPunct="0">
+              <a:spcBef>
+                <a:spcPct val="20000"/>
+              </a:spcBef>
+              <a:spcAft>
+                <a:spcPct val="0"/>
+              </a:spcAft>
+              <a:buChar char="»"/>
+              <a:defRPr kumimoji="1" sz="1600">
+                <a:solidFill>
+                  <a:schemeClr val="tx1"/>
+                </a:solidFill>
+                <a:latin typeface="Calibri" panose="020F0502020204030204" pitchFamily="34" charset="0"/>
+                <a:ea typeface="굴림" panose="020B0600000101010101" pitchFamily="50" charset="-127"/>
+              </a:defRPr>
+            </a:lvl6pPr>
+            <a:lvl7pPr marL="2971800" indent="-228600" eaLnBrk="0" fontAlgn="base" latinLnBrk="1" hangingPunct="0">
+              <a:spcBef>
+                <a:spcPct val="20000"/>
+              </a:spcBef>
+              <a:spcAft>
+                <a:spcPct val="0"/>
+              </a:spcAft>
+              <a:buChar char="»"/>
+              <a:defRPr kumimoji="1" sz="1600">
+                <a:solidFill>
+                  <a:schemeClr val="tx1"/>
+                </a:solidFill>
+                <a:latin typeface="Calibri" panose="020F0502020204030204" pitchFamily="34" charset="0"/>
+                <a:ea typeface="굴림" panose="020B0600000101010101" pitchFamily="50" charset="-127"/>
+              </a:defRPr>
+            </a:lvl7pPr>
+            <a:lvl8pPr marL="3429000" indent="-228600" eaLnBrk="0" fontAlgn="base" latinLnBrk="1" hangingPunct="0">
+              <a:spcBef>
+                <a:spcPct val="20000"/>
+              </a:spcBef>
+              <a:spcAft>
+                <a:spcPct val="0"/>
+              </a:spcAft>
+              <a:buChar char="»"/>
+              <a:defRPr kumimoji="1" sz="1600">
+                <a:solidFill>
+                  <a:schemeClr val="tx1"/>
+                </a:solidFill>
+                <a:latin typeface="Calibri" panose="020F0502020204030204" pitchFamily="34" charset="0"/>
+                <a:ea typeface="굴림" panose="020B0600000101010101" pitchFamily="50" charset="-127"/>
+              </a:defRPr>
+            </a:lvl8pPr>
+            <a:lvl9pPr marL="3886200" indent="-228600" eaLnBrk="0" fontAlgn="base" latinLnBrk="1" hangingPunct="0">
+              <a:spcBef>
+                <a:spcPct val="20000"/>
+              </a:spcBef>
+              <a:spcAft>
+                <a:spcPct val="0"/>
+              </a:spcAft>
+              <a:buChar char="»"/>
+              <a:defRPr kumimoji="1" sz="1600">
+                <a:solidFill>
+                  <a:schemeClr val="tx1"/>
+                </a:solidFill>
+                <a:latin typeface="Calibri" panose="020F0502020204030204" pitchFamily="34" charset="0"/>
+                <a:ea typeface="굴림" panose="020B0600000101010101" pitchFamily="50" charset="-127"/>
+              </a:defRPr>
+            </a:lvl9pPr>
+          </a:lstStyle>
+          <a:p>
+            <a:pPr>
+              <a:spcBef>
+                <a:spcPct val="0"/>
+              </a:spcBef>
+              <a:buFontTx/>
+              <a:buNone/>
+            </a:pPr>
+            <a:fld id="{0079F726-6DAF-4C90-B47A-7AB6E3E1FCD8}" type="slidenum">
+              <a:rPr lang="en-US" altLang="ko-KR" sz="1400"/>
+              <a:pPr>
+                <a:spcBef>
+                  <a:spcPct val="0"/>
+                </a:spcBef>
+                <a:buFontTx/>
+                <a:buNone/>
+              </a:pPr>
+              <a:t>21</a:t>
+            </a:fld>
+            <a:endParaRPr lang="en-US" altLang="ko-KR" sz="1400"/>
+          </a:p>
+        </p:txBody>
+      </p:sp>
+      <p:pic>
+        <p:nvPicPr>
+          <p:cNvPr id="4" name="그림 3">
+            <a:extLst>
+              <a:ext uri="{FF2B5EF4-FFF2-40B4-BE49-F238E27FC236}">
+                <a16:creationId xmlns:a16="http://schemas.microsoft.com/office/drawing/2014/main" id="{74021735-CFF6-4C4D-B5F5-FF1AF3F44355}"/>
+              </a:ext>
+            </a:extLst>
+          </p:cNvPr>
+          <p:cNvPicPr>
+            <a:picLocks noChangeAspect="1"/>
+          </p:cNvPicPr>
+          <p:nvPr/>
+        </p:nvPicPr>
+        <p:blipFill>
+          <a:blip r:embed="rId3"/>
+          <a:stretch>
+            <a:fillRect/>
+          </a:stretch>
+        </p:blipFill>
+        <p:spPr>
+          <a:xfrm>
+            <a:off x="526509" y="1219200"/>
+            <a:ext cx="6434667" cy="3619500"/>
+          </a:xfrm>
+          <a:prstGeom prst="rect">
+            <a:avLst/>
+          </a:prstGeom>
+        </p:spPr>
+      </p:pic>
+      <p:pic>
+        <p:nvPicPr>
+          <p:cNvPr id="5" name="그림 4">
+            <a:extLst>
+              <a:ext uri="{FF2B5EF4-FFF2-40B4-BE49-F238E27FC236}">
+                <a16:creationId xmlns:a16="http://schemas.microsoft.com/office/drawing/2014/main" id="{57798BA0-B118-4187-8A17-7B9F2615B5C2}"/>
+              </a:ext>
+            </a:extLst>
+          </p:cNvPr>
+          <p:cNvPicPr>
+            <a:picLocks noChangeAspect="1"/>
+          </p:cNvPicPr>
+          <p:nvPr/>
+        </p:nvPicPr>
+        <p:blipFill>
+          <a:blip r:embed="rId4"/>
+          <a:stretch>
+            <a:fillRect/>
+          </a:stretch>
+        </p:blipFill>
+        <p:spPr>
+          <a:xfrm>
+            <a:off x="2985558" y="2438400"/>
+            <a:ext cx="6434667" cy="3619500"/>
+          </a:xfrm>
+          <a:prstGeom prst="rect">
+            <a:avLst/>
+          </a:prstGeom>
+        </p:spPr>
+      </p:pic>
+    </p:spTree>
+    <p:extLst>
+      <p:ext uri="{BB962C8B-B14F-4D97-AF65-F5344CB8AC3E}">
+        <p14:creationId xmlns:p14="http://schemas.microsoft.com/office/powerpoint/2010/main" val="1168416114"/>
+      </p:ext>
+    </p:extLst>
+  </p:cSld>
+  <p:clrMapOvr>
+    <a:masterClrMapping/>
+  </p:clrMapOvr>
+</p:sld>
+</file>
+
+<file path=ppt/slides/slide23.xml><?xml version="1.0" encoding="utf-8"?>
 <p:sld xmlns:a="http://schemas.openxmlformats.org/drawingml/2006/main" xmlns:r="http://schemas.openxmlformats.org/officeDocument/2006/relationships" xmlns:p="http://schemas.openxmlformats.org/presentationml/2006/main">
   <p:cSld>
     <p:spTree>
